--- a/figures/noloops.pptx
+++ b/figures/noloops.pptx
@@ -289,7 +289,7 @@
             <a:fld id="{1D8BD707-D9CF-40AE-B4C6-C98DA3205C09}" type="datetimeFigureOut">
               <a:rPr lang="en-US" smtClean="0"/>
               <a:pPr/>
-              <a:t>6/18/2013</a:t>
+              <a:t>6/19/2013</a:t>
             </a:fld>
             <a:endParaRPr lang="en-US"/>
           </a:p>
@@ -456,7 +456,7 @@
             <a:fld id="{1D8BD707-D9CF-40AE-B4C6-C98DA3205C09}" type="datetimeFigureOut">
               <a:rPr lang="en-US" smtClean="0"/>
               <a:pPr/>
-              <a:t>6/18/2013</a:t>
+              <a:t>6/19/2013</a:t>
             </a:fld>
             <a:endParaRPr lang="en-US"/>
           </a:p>
@@ -633,7 +633,7 @@
             <a:fld id="{1D8BD707-D9CF-40AE-B4C6-C98DA3205C09}" type="datetimeFigureOut">
               <a:rPr lang="en-US" smtClean="0"/>
               <a:pPr/>
-              <a:t>6/18/2013</a:t>
+              <a:t>6/19/2013</a:t>
             </a:fld>
             <a:endParaRPr lang="en-US"/>
           </a:p>
@@ -800,7 +800,7 @@
             <a:fld id="{1D8BD707-D9CF-40AE-B4C6-C98DA3205C09}" type="datetimeFigureOut">
               <a:rPr lang="en-US" smtClean="0"/>
               <a:pPr/>
-              <a:t>6/18/2013</a:t>
+              <a:t>6/19/2013</a:t>
             </a:fld>
             <a:endParaRPr lang="en-US"/>
           </a:p>
@@ -1043,7 +1043,7 @@
             <a:fld id="{1D8BD707-D9CF-40AE-B4C6-C98DA3205C09}" type="datetimeFigureOut">
               <a:rPr lang="en-US" smtClean="0"/>
               <a:pPr/>
-              <a:t>6/18/2013</a:t>
+              <a:t>6/19/2013</a:t>
             </a:fld>
             <a:endParaRPr lang="en-US"/>
           </a:p>
@@ -1328,7 +1328,7 @@
             <a:fld id="{1D8BD707-D9CF-40AE-B4C6-C98DA3205C09}" type="datetimeFigureOut">
               <a:rPr lang="en-US" smtClean="0"/>
               <a:pPr/>
-              <a:t>6/18/2013</a:t>
+              <a:t>6/19/2013</a:t>
             </a:fld>
             <a:endParaRPr lang="en-US"/>
           </a:p>
@@ -1747,7 +1747,7 @@
             <a:fld id="{1D8BD707-D9CF-40AE-B4C6-C98DA3205C09}" type="datetimeFigureOut">
               <a:rPr lang="en-US" smtClean="0"/>
               <a:pPr/>
-              <a:t>6/18/2013</a:t>
+              <a:t>6/19/2013</a:t>
             </a:fld>
             <a:endParaRPr lang="en-US"/>
           </a:p>
@@ -1862,7 +1862,7 @@
             <a:fld id="{1D8BD707-D9CF-40AE-B4C6-C98DA3205C09}" type="datetimeFigureOut">
               <a:rPr lang="en-US" smtClean="0"/>
               <a:pPr/>
-              <a:t>6/18/2013</a:t>
+              <a:t>6/19/2013</a:t>
             </a:fld>
             <a:endParaRPr lang="en-US"/>
           </a:p>
@@ -1954,7 +1954,7 @@
             <a:fld id="{1D8BD707-D9CF-40AE-B4C6-C98DA3205C09}" type="datetimeFigureOut">
               <a:rPr lang="en-US" smtClean="0"/>
               <a:pPr/>
-              <a:t>6/18/2013</a:t>
+              <a:t>6/19/2013</a:t>
             </a:fld>
             <a:endParaRPr lang="en-US"/>
           </a:p>
@@ -2228,7 +2228,7 @@
             <a:fld id="{1D8BD707-D9CF-40AE-B4C6-C98DA3205C09}" type="datetimeFigureOut">
               <a:rPr lang="en-US" smtClean="0"/>
               <a:pPr/>
-              <a:t>6/18/2013</a:t>
+              <a:t>6/19/2013</a:t>
             </a:fld>
             <a:endParaRPr lang="en-US"/>
           </a:p>
@@ -2478,7 +2478,7 @@
             <a:fld id="{1D8BD707-D9CF-40AE-B4C6-C98DA3205C09}" type="datetimeFigureOut">
               <a:rPr lang="en-US" smtClean="0"/>
               <a:pPr/>
-              <a:t>6/18/2013</a:t>
+              <a:t>6/19/2013</a:t>
             </a:fld>
             <a:endParaRPr lang="en-US"/>
           </a:p>
@@ -2688,7 +2688,7 @@
             <a:fld id="{1D8BD707-D9CF-40AE-B4C6-C98DA3205C09}" type="datetimeFigureOut">
               <a:rPr lang="en-US" smtClean="0"/>
               <a:pPr/>
-              <a:t>6/18/2013</a:t>
+              <a:t>6/19/2013</a:t>
             </a:fld>
             <a:endParaRPr lang="en-US"/>
           </a:p>
@@ -3103,7 +3103,10 @@
           <a:lstStyle/>
           <a:p>
             <a:pPr algn="ctr"/>
-            <a:endParaRPr lang="en-US"/>
+            <a:endParaRPr lang="en-US" sz="2000">
+              <a:latin typeface="Times New Roman" pitchFamily="18" charset="0"/>
+              <a:cs typeface="Times New Roman" pitchFamily="18" charset="0"/>
+            </a:endParaRPr>
           </a:p>
         </p:txBody>
       </p:sp>
@@ -3191,7 +3194,10 @@
           <a:lstStyle/>
           <a:p>
             <a:pPr algn="ctr"/>
-            <a:endParaRPr lang="en-US"/>
+            <a:endParaRPr lang="en-US" sz="2000">
+              <a:latin typeface="Times New Roman" pitchFamily="18" charset="0"/>
+              <a:cs typeface="Times New Roman" pitchFamily="18" charset="0"/>
+            </a:endParaRPr>
           </a:p>
         </p:txBody>
       </p:sp>
@@ -3239,7 +3245,10 @@
           <a:lstStyle/>
           <a:p>
             <a:pPr algn="ctr"/>
-            <a:endParaRPr lang="en-US"/>
+            <a:endParaRPr lang="en-US" sz="2000">
+              <a:latin typeface="Times New Roman" pitchFamily="18" charset="0"/>
+              <a:cs typeface="Times New Roman" pitchFamily="18" charset="0"/>
+            </a:endParaRPr>
           </a:p>
         </p:txBody>
       </p:sp>
@@ -3327,7 +3336,10 @@
           <a:lstStyle/>
           <a:p>
             <a:pPr algn="ctr"/>
-            <a:endParaRPr lang="en-US"/>
+            <a:endParaRPr lang="en-US" sz="2000">
+              <a:latin typeface="Times New Roman" pitchFamily="18" charset="0"/>
+              <a:cs typeface="Times New Roman" pitchFamily="18" charset="0"/>
+            </a:endParaRPr>
           </a:p>
         </p:txBody>
       </p:sp>
@@ -3415,7 +3427,10 @@
           <a:lstStyle/>
           <a:p>
             <a:pPr algn="ctr"/>
-            <a:endParaRPr lang="en-US"/>
+            <a:endParaRPr lang="en-US" sz="2000">
+              <a:latin typeface="Times New Roman" pitchFamily="18" charset="0"/>
+              <a:cs typeface="Times New Roman" pitchFamily="18" charset="0"/>
+            </a:endParaRPr>
           </a:p>
         </p:txBody>
       </p:sp>
@@ -3467,8 +3482,8 @@
         </p:nvSpPr>
         <p:spPr>
           <a:xfrm>
-            <a:off x="2496990" y="830759"/>
-            <a:ext cx="474810" cy="769441"/>
+            <a:off x="2430294" y="1047690"/>
+            <a:ext cx="312906" cy="400110"/>
           </a:xfrm>
           <a:prstGeom prst="rect">
             <a:avLst/>
@@ -3482,10 +3497,16 @@
           <a:lstStyle/>
           <a:p>
             <a:r>
-              <a:rPr lang="en-US" sz="4400" i="1" dirty="0" smtClean="0"/>
+              <a:rPr lang="en-US" sz="2000" i="1" dirty="0" smtClean="0">
+                <a:latin typeface="Times New Roman" pitchFamily="18" charset="0"/>
+                <a:cs typeface="Times New Roman" pitchFamily="18" charset="0"/>
+              </a:rPr>
               <a:t>d</a:t>
             </a:r>
-            <a:endParaRPr lang="en-US" sz="4400" i="1" dirty="0"/>
+            <a:endParaRPr lang="en-US" sz="2000" i="1" dirty="0">
+              <a:latin typeface="Times New Roman" pitchFamily="18" charset="0"/>
+              <a:cs typeface="Times New Roman" pitchFamily="18" charset="0"/>
+            </a:endParaRPr>
           </a:p>
         </p:txBody>
       </p:sp>
@@ -3497,8 +3518,8 @@
         </p:nvSpPr>
         <p:spPr>
           <a:xfrm>
-            <a:off x="304800" y="152400"/>
-            <a:ext cx="474810" cy="769441"/>
+            <a:off x="457200" y="369331"/>
+            <a:ext cx="312906" cy="400110"/>
           </a:xfrm>
           <a:prstGeom prst="rect">
             <a:avLst/>
@@ -3512,10 +3533,16 @@
           <a:lstStyle/>
           <a:p>
             <a:r>
-              <a:rPr lang="en-US" sz="4400" i="1" dirty="0" smtClean="0"/>
+              <a:rPr lang="en-US" sz="2000" i="1" dirty="0" smtClean="0">
+                <a:latin typeface="Times New Roman" pitchFamily="18" charset="0"/>
+                <a:cs typeface="Times New Roman" pitchFamily="18" charset="0"/>
+              </a:rPr>
               <a:t>u</a:t>
             </a:r>
-            <a:endParaRPr lang="en-US" sz="4400" i="1" dirty="0"/>
+            <a:endParaRPr lang="en-US" sz="2000" i="1" dirty="0">
+              <a:latin typeface="Times New Roman" pitchFamily="18" charset="0"/>
+              <a:cs typeface="Times New Roman" pitchFamily="18" charset="0"/>
+            </a:endParaRPr>
           </a:p>
         </p:txBody>
       </p:sp>
@@ -3527,8 +3554,8 @@
         </p:nvSpPr>
         <p:spPr>
           <a:xfrm>
-            <a:off x="323850" y="1447800"/>
-            <a:ext cx="436338" cy="769441"/>
+            <a:off x="476250" y="1664731"/>
+            <a:ext cx="298480" cy="400110"/>
           </a:xfrm>
           <a:prstGeom prst="rect">
             <a:avLst/>
@@ -3542,10 +3569,16 @@
           <a:lstStyle/>
           <a:p>
             <a:r>
-              <a:rPr lang="en-US" sz="4400" i="1" dirty="0" smtClean="0"/>
+              <a:rPr lang="en-US" sz="2000" i="1" dirty="0" smtClean="0">
+                <a:latin typeface="Times New Roman" pitchFamily="18" charset="0"/>
+                <a:cs typeface="Times New Roman" pitchFamily="18" charset="0"/>
+              </a:rPr>
               <a:t>v</a:t>
             </a:r>
-            <a:endParaRPr lang="en-US" sz="4400" i="1" dirty="0"/>
+            <a:endParaRPr lang="en-US" sz="2000" i="1" dirty="0">
+              <a:latin typeface="Times New Roman" pitchFamily="18" charset="0"/>
+              <a:cs typeface="Times New Roman" pitchFamily="18" charset="0"/>
+            </a:endParaRPr>
           </a:p>
         </p:txBody>
       </p:sp>
@@ -3557,8 +3590,8 @@
         </p:nvSpPr>
         <p:spPr>
           <a:xfrm>
-            <a:off x="1781478" y="152400"/>
-            <a:ext cx="428322" cy="769441"/>
+            <a:off x="1740174" y="369331"/>
+            <a:ext cx="298480" cy="400110"/>
           </a:xfrm>
           <a:prstGeom prst="rect">
             <a:avLst/>
@@ -3572,10 +3605,16 @@
           <a:lstStyle/>
           <a:p>
             <a:r>
-              <a:rPr lang="en-US" sz="4400" i="1" dirty="0" smtClean="0"/>
+              <a:rPr lang="en-US" sz="2000" i="1" dirty="0" smtClean="0">
+                <a:latin typeface="Times New Roman" pitchFamily="18" charset="0"/>
+                <a:cs typeface="Times New Roman" pitchFamily="18" charset="0"/>
+              </a:rPr>
               <a:t>x</a:t>
             </a:r>
-            <a:endParaRPr lang="en-US" sz="4400" i="1" dirty="0"/>
+            <a:endParaRPr lang="en-US" sz="2000" i="1" dirty="0">
+              <a:latin typeface="Times New Roman" pitchFamily="18" charset="0"/>
+              <a:cs typeface="Times New Roman" pitchFamily="18" charset="0"/>
+            </a:endParaRPr>
           </a:p>
         </p:txBody>
       </p:sp>
@@ -3587,8 +3626,8 @@
         </p:nvSpPr>
         <p:spPr>
           <a:xfrm>
-            <a:off x="1800224" y="1447800"/>
-            <a:ext cx="436338" cy="769441"/>
+            <a:off x="1758920" y="1664731"/>
+            <a:ext cx="298480" cy="400110"/>
           </a:xfrm>
           <a:prstGeom prst="rect">
             <a:avLst/>
@@ -3602,22 +3641,28 @@
           <a:lstStyle/>
           <a:p>
             <a:r>
-              <a:rPr lang="en-US" sz="4400" i="1" dirty="0" smtClean="0"/>
+              <a:rPr lang="en-US" sz="2000" i="1" dirty="0" smtClean="0">
+                <a:latin typeface="Times New Roman" pitchFamily="18" charset="0"/>
+                <a:cs typeface="Times New Roman" pitchFamily="18" charset="0"/>
+              </a:rPr>
               <a:t>y</a:t>
             </a:r>
-            <a:endParaRPr lang="en-US" sz="4400" i="1" dirty="0"/>
-          </a:p>
-        </p:txBody>
-      </p:sp>
-      <p:sp>
-        <p:nvSpPr>
-          <p:cNvPr id="60" name="Oval 59"/>
+            <a:endParaRPr lang="en-US" sz="2000" i="1" dirty="0">
+              <a:latin typeface="Times New Roman" pitchFamily="18" charset="0"/>
+              <a:cs typeface="Times New Roman" pitchFamily="18" charset="0"/>
+            </a:endParaRPr>
+          </a:p>
+        </p:txBody>
+      </p:sp>
+      <p:sp>
+        <p:nvSpPr>
+          <p:cNvPr id="95" name="Oval 94"/>
           <p:cNvSpPr/>
           <p:nvPr/>
         </p:nvSpPr>
         <p:spPr>
           <a:xfrm>
-            <a:off x="8077200" y="5515869"/>
+            <a:off x="5650858" y="1179909"/>
             <a:ext cx="152400" cy="152400"/>
           </a:xfrm>
           <a:prstGeom prst="ellipse">
@@ -3653,59 +3698,22 @@
           <a:lstStyle/>
           <a:p>
             <a:pPr algn="ctr"/>
-            <a:endParaRPr lang="en-US"/>
-          </a:p>
-        </p:txBody>
-      </p:sp>
-      <p:cxnSp>
-        <p:nvCxnSpPr>
-          <p:cNvPr id="61" name="Straight Arrow Connector 60"/>
-          <p:cNvCxnSpPr>
-            <a:stCxn id="62" idx="5"/>
-            <a:endCxn id="60" idx="1"/>
-          </p:cNvCxnSpPr>
-          <p:nvPr/>
-        </p:nvCxnSpPr>
-        <p:spPr>
-          <a:xfrm>
-            <a:off x="7523863" y="4999441"/>
-            <a:ext cx="575655" cy="538746"/>
-          </a:xfrm>
-          <a:prstGeom prst="straightConnector1">
-            <a:avLst/>
-          </a:prstGeom>
-          <a:ln w="25400">
-            <a:solidFill>
-              <a:schemeClr val="tx1"/>
-            </a:solidFill>
-            <a:headEnd type="none"/>
-            <a:tailEnd type="arrow"/>
-          </a:ln>
-        </p:spPr>
-        <p:style>
-          <a:lnRef idx="1">
-            <a:schemeClr val="accent1"/>
-          </a:lnRef>
-          <a:fillRef idx="0">
-            <a:schemeClr val="accent1"/>
-          </a:fillRef>
-          <a:effectRef idx="0">
-            <a:schemeClr val="accent1"/>
-          </a:effectRef>
-          <a:fontRef idx="minor">
-            <a:schemeClr val="tx1"/>
-          </a:fontRef>
-        </p:style>
-      </p:cxnSp>
-      <p:sp>
-        <p:nvSpPr>
-          <p:cNvPr id="62" name="Oval 61"/>
+            <a:endParaRPr lang="en-US" sz="2000">
+              <a:latin typeface="Times New Roman" pitchFamily="18" charset="0"/>
+              <a:cs typeface="Times New Roman" pitchFamily="18" charset="0"/>
+            </a:endParaRPr>
+          </a:p>
+        </p:txBody>
+      </p:sp>
+      <p:sp>
+        <p:nvSpPr>
+          <p:cNvPr id="97" name="Oval 96"/>
           <p:cNvSpPr/>
           <p:nvPr/>
         </p:nvSpPr>
         <p:spPr>
           <a:xfrm>
-            <a:off x="7393781" y="4869359"/>
+            <a:off x="4967439" y="533399"/>
             <a:ext cx="152400" cy="152400"/>
           </a:xfrm>
           <a:prstGeom prst="ellipse">
@@ -3741,22 +3749,25 @@
           <a:lstStyle/>
           <a:p>
             <a:pPr algn="ctr"/>
-            <a:endParaRPr lang="en-US"/>
+            <a:endParaRPr lang="en-US" sz="2000">
+              <a:latin typeface="Times New Roman" pitchFamily="18" charset="0"/>
+              <a:cs typeface="Times New Roman" pitchFamily="18" charset="0"/>
+            </a:endParaRPr>
           </a:p>
         </p:txBody>
       </p:sp>
       <p:cxnSp>
         <p:nvCxnSpPr>
-          <p:cNvPr id="63" name="Straight Arrow Connector 62"/>
+          <p:cNvPr id="98" name="Straight Arrow Connector 97"/>
           <p:cNvCxnSpPr>
-            <a:stCxn id="64" idx="7"/>
-            <a:endCxn id="60" idx="3"/>
+            <a:stCxn id="99" idx="7"/>
+            <a:endCxn id="95" idx="3"/>
           </p:cNvCxnSpPr>
           <p:nvPr/>
         </p:nvCxnSpPr>
         <p:spPr>
           <a:xfrm flipV="1">
-            <a:off x="7521482" y="5645951"/>
+            <a:off x="5095140" y="1309991"/>
             <a:ext cx="578036" cy="538745"/>
           </a:xfrm>
           <a:prstGeom prst="straightConnector1">
@@ -3787,13 +3798,13 @@
       </p:cxnSp>
       <p:sp>
         <p:nvSpPr>
-          <p:cNvPr id="64" name="Oval 63"/>
+          <p:cNvPr id="99" name="Oval 98"/>
           <p:cNvSpPr/>
           <p:nvPr/>
         </p:nvSpPr>
         <p:spPr>
           <a:xfrm>
-            <a:off x="7391400" y="6162378"/>
+            <a:off x="4965058" y="1826418"/>
             <a:ext cx="152400" cy="152400"/>
           </a:xfrm>
           <a:prstGeom prst="ellipse">
@@ -3829,22 +3840,25 @@
           <a:lstStyle/>
           <a:p>
             <a:pPr algn="ctr"/>
-            <a:endParaRPr lang="en-US"/>
+            <a:endParaRPr lang="en-US" sz="2000">
+              <a:latin typeface="Times New Roman" pitchFamily="18" charset="0"/>
+              <a:cs typeface="Times New Roman" pitchFamily="18" charset="0"/>
+            </a:endParaRPr>
           </a:p>
         </p:txBody>
       </p:sp>
       <p:cxnSp>
         <p:nvCxnSpPr>
-          <p:cNvPr id="65" name="Straight Arrow Connector 64"/>
+          <p:cNvPr id="100" name="Straight Arrow Connector 99"/>
           <p:cNvCxnSpPr>
-            <a:stCxn id="62" idx="4"/>
-            <a:endCxn id="64" idx="0"/>
+            <a:stCxn id="97" idx="4"/>
+            <a:endCxn id="99" idx="0"/>
           </p:cNvCxnSpPr>
           <p:nvPr/>
         </p:nvCxnSpPr>
         <p:spPr>
           <a:xfrm flipH="1">
-            <a:off x="7467600" y="5021759"/>
+            <a:off x="5041258" y="685799"/>
             <a:ext cx="2381" cy="1140619"/>
           </a:xfrm>
           <a:prstGeom prst="straightConnector1">
@@ -3875,13 +3889,13 @@
       </p:cxnSp>
       <p:sp>
         <p:nvSpPr>
-          <p:cNvPr id="66" name="Oval 65"/>
+          <p:cNvPr id="101" name="Oval 100"/>
           <p:cNvSpPr/>
           <p:nvPr/>
         </p:nvSpPr>
         <p:spPr>
           <a:xfrm>
-            <a:off x="6553200" y="4869359"/>
+            <a:off x="4126858" y="533399"/>
             <a:ext cx="152400" cy="152400"/>
           </a:xfrm>
           <a:prstGeom prst="ellipse">
@@ -3917,22 +3931,25 @@
           <a:lstStyle/>
           <a:p>
             <a:pPr algn="ctr"/>
-            <a:endParaRPr lang="en-US"/>
+            <a:endParaRPr lang="en-US" sz="2000">
+              <a:latin typeface="Times New Roman" pitchFamily="18" charset="0"/>
+              <a:cs typeface="Times New Roman" pitchFamily="18" charset="0"/>
+            </a:endParaRPr>
           </a:p>
         </p:txBody>
       </p:sp>
       <p:cxnSp>
         <p:nvCxnSpPr>
-          <p:cNvPr id="67" name="Straight Arrow Connector 66"/>
+          <p:cNvPr id="102" name="Straight Arrow Connector 101"/>
           <p:cNvCxnSpPr>
-            <a:stCxn id="66" idx="6"/>
-            <a:endCxn id="62" idx="2"/>
+            <a:stCxn id="101" idx="6"/>
+            <a:endCxn id="97" idx="2"/>
           </p:cNvCxnSpPr>
           <p:nvPr/>
         </p:nvCxnSpPr>
         <p:spPr>
           <a:xfrm>
-            <a:off x="6705600" y="4945559"/>
+            <a:off x="4279258" y="609599"/>
             <a:ext cx="688181" cy="0"/>
           </a:xfrm>
           <a:prstGeom prst="straightConnector1">
@@ -3963,13 +3980,13 @@
       </p:cxnSp>
       <p:sp>
         <p:nvSpPr>
-          <p:cNvPr id="68" name="Oval 67"/>
+          <p:cNvPr id="103" name="Oval 102"/>
           <p:cNvSpPr/>
           <p:nvPr/>
         </p:nvSpPr>
         <p:spPr>
           <a:xfrm>
-            <a:off x="6553200" y="6162378"/>
+            <a:off x="4126858" y="1826418"/>
             <a:ext cx="152400" cy="152400"/>
           </a:xfrm>
           <a:prstGeom prst="ellipse">
@@ -4005,22 +4022,25 @@
           <a:lstStyle/>
           <a:p>
             <a:pPr algn="ctr"/>
-            <a:endParaRPr lang="en-US"/>
+            <a:endParaRPr lang="en-US" sz="2000">
+              <a:latin typeface="Times New Roman" pitchFamily="18" charset="0"/>
+              <a:cs typeface="Times New Roman" pitchFamily="18" charset="0"/>
+            </a:endParaRPr>
           </a:p>
         </p:txBody>
       </p:sp>
       <p:cxnSp>
         <p:nvCxnSpPr>
-          <p:cNvPr id="69" name="Straight Arrow Connector 68"/>
+          <p:cNvPr id="104" name="Straight Arrow Connector 103"/>
           <p:cNvCxnSpPr>
-            <a:stCxn id="68" idx="7"/>
-            <a:endCxn id="62" idx="3"/>
+            <a:stCxn id="103" idx="7"/>
+            <a:endCxn id="97" idx="3"/>
           </p:cNvCxnSpPr>
           <p:nvPr/>
         </p:nvCxnSpPr>
         <p:spPr>
           <a:xfrm flipV="1">
-            <a:off x="6683282" y="4999441"/>
+            <a:off x="4256940" y="663481"/>
             <a:ext cx="732817" cy="1185255"/>
           </a:xfrm>
           <a:prstGeom prst="straightConnector1">
@@ -4049,30 +4069,207 @@
           </a:fontRef>
         </p:style>
       </p:cxnSp>
+      <p:sp>
+        <p:nvSpPr>
+          <p:cNvPr id="106" name="TextBox 105"/>
+          <p:cNvSpPr txBox="1"/>
+          <p:nvPr/>
+        </p:nvSpPr>
+        <p:spPr>
+          <a:xfrm>
+            <a:off x="5795152" y="1047689"/>
+            <a:ext cx="312906" cy="400110"/>
+          </a:xfrm>
+          <a:prstGeom prst="rect">
+            <a:avLst/>
+          </a:prstGeom>
+          <a:noFill/>
+        </p:spPr>
+        <p:txBody>
+          <a:bodyPr wrap="none" rtlCol="0">
+            <a:spAutoFit/>
+          </a:bodyPr>
+          <a:lstStyle/>
+          <a:p>
+            <a:r>
+              <a:rPr lang="en-US" sz="2000" i="1" dirty="0" smtClean="0">
+                <a:latin typeface="Times New Roman" pitchFamily="18" charset="0"/>
+                <a:cs typeface="Times New Roman" pitchFamily="18" charset="0"/>
+              </a:rPr>
+              <a:t>d</a:t>
+            </a:r>
+            <a:endParaRPr lang="en-US" sz="2000" i="1" dirty="0">
+              <a:latin typeface="Times New Roman" pitchFamily="18" charset="0"/>
+              <a:cs typeface="Times New Roman" pitchFamily="18" charset="0"/>
+            </a:endParaRPr>
+          </a:p>
+        </p:txBody>
+      </p:sp>
+      <p:sp>
+        <p:nvSpPr>
+          <p:cNvPr id="107" name="TextBox 106"/>
+          <p:cNvSpPr txBox="1"/>
+          <p:nvPr/>
+        </p:nvSpPr>
+        <p:spPr>
+          <a:xfrm>
+            <a:off x="3822058" y="369330"/>
+            <a:ext cx="312906" cy="400110"/>
+          </a:xfrm>
+          <a:prstGeom prst="rect">
+            <a:avLst/>
+          </a:prstGeom>
+          <a:noFill/>
+        </p:spPr>
+        <p:txBody>
+          <a:bodyPr wrap="none" rtlCol="0">
+            <a:spAutoFit/>
+          </a:bodyPr>
+          <a:lstStyle/>
+          <a:p>
+            <a:r>
+              <a:rPr lang="en-US" sz="2000" i="1" dirty="0" smtClean="0">
+                <a:latin typeface="Times New Roman" pitchFamily="18" charset="0"/>
+                <a:cs typeface="Times New Roman" pitchFamily="18" charset="0"/>
+              </a:rPr>
+              <a:t>u</a:t>
+            </a:r>
+            <a:endParaRPr lang="en-US" sz="2000" i="1" dirty="0">
+              <a:latin typeface="Times New Roman" pitchFamily="18" charset="0"/>
+              <a:cs typeface="Times New Roman" pitchFamily="18" charset="0"/>
+            </a:endParaRPr>
+          </a:p>
+        </p:txBody>
+      </p:sp>
+      <p:sp>
+        <p:nvSpPr>
+          <p:cNvPr id="108" name="TextBox 107"/>
+          <p:cNvSpPr txBox="1"/>
+          <p:nvPr/>
+        </p:nvSpPr>
+        <p:spPr>
+          <a:xfrm>
+            <a:off x="3841108" y="1664730"/>
+            <a:ext cx="298480" cy="400110"/>
+          </a:xfrm>
+          <a:prstGeom prst="rect">
+            <a:avLst/>
+          </a:prstGeom>
+          <a:noFill/>
+        </p:spPr>
+        <p:txBody>
+          <a:bodyPr wrap="none" rtlCol="0">
+            <a:spAutoFit/>
+          </a:bodyPr>
+          <a:lstStyle/>
+          <a:p>
+            <a:r>
+              <a:rPr lang="en-US" sz="2000" i="1" dirty="0" smtClean="0">
+                <a:latin typeface="Times New Roman" pitchFamily="18" charset="0"/>
+                <a:cs typeface="Times New Roman" pitchFamily="18" charset="0"/>
+              </a:rPr>
+              <a:t>v</a:t>
+            </a:r>
+            <a:endParaRPr lang="en-US" sz="2000" i="1" dirty="0">
+              <a:latin typeface="Times New Roman" pitchFamily="18" charset="0"/>
+              <a:cs typeface="Times New Roman" pitchFamily="18" charset="0"/>
+            </a:endParaRPr>
+          </a:p>
+        </p:txBody>
+      </p:sp>
+      <p:sp>
+        <p:nvSpPr>
+          <p:cNvPr id="109" name="TextBox 108"/>
+          <p:cNvSpPr txBox="1"/>
+          <p:nvPr/>
+        </p:nvSpPr>
+        <p:spPr>
+          <a:xfrm>
+            <a:off x="5092974" y="369330"/>
+            <a:ext cx="298480" cy="400110"/>
+          </a:xfrm>
+          <a:prstGeom prst="rect">
+            <a:avLst/>
+          </a:prstGeom>
+          <a:noFill/>
+        </p:spPr>
+        <p:txBody>
+          <a:bodyPr wrap="none" rtlCol="0">
+            <a:spAutoFit/>
+          </a:bodyPr>
+          <a:lstStyle/>
+          <a:p>
+            <a:r>
+              <a:rPr lang="en-US" sz="2000" i="1" dirty="0" smtClean="0">
+                <a:latin typeface="Times New Roman" pitchFamily="18" charset="0"/>
+                <a:cs typeface="Times New Roman" pitchFamily="18" charset="0"/>
+              </a:rPr>
+              <a:t>x</a:t>
+            </a:r>
+            <a:endParaRPr lang="en-US" sz="2000" i="1" dirty="0">
+              <a:latin typeface="Times New Roman" pitchFamily="18" charset="0"/>
+              <a:cs typeface="Times New Roman" pitchFamily="18" charset="0"/>
+            </a:endParaRPr>
+          </a:p>
+        </p:txBody>
+      </p:sp>
+      <p:sp>
+        <p:nvSpPr>
+          <p:cNvPr id="110" name="TextBox 109"/>
+          <p:cNvSpPr txBox="1"/>
+          <p:nvPr/>
+        </p:nvSpPr>
+        <p:spPr>
+          <a:xfrm>
+            <a:off x="5111720" y="1664730"/>
+            <a:ext cx="298480" cy="400110"/>
+          </a:xfrm>
+          <a:prstGeom prst="rect">
+            <a:avLst/>
+          </a:prstGeom>
+          <a:noFill/>
+        </p:spPr>
+        <p:txBody>
+          <a:bodyPr wrap="none" rtlCol="0">
+            <a:spAutoFit/>
+          </a:bodyPr>
+          <a:lstStyle/>
+          <a:p>
+            <a:r>
+              <a:rPr lang="en-US" sz="2000" i="1" dirty="0" smtClean="0">
+                <a:latin typeface="Times New Roman" pitchFamily="18" charset="0"/>
+                <a:cs typeface="Times New Roman" pitchFamily="18" charset="0"/>
+              </a:rPr>
+              <a:t>y</a:t>
+            </a:r>
+            <a:endParaRPr lang="en-US" sz="2000" i="1" dirty="0">
+              <a:latin typeface="Times New Roman" pitchFamily="18" charset="0"/>
+              <a:cs typeface="Times New Roman" pitchFamily="18" charset="0"/>
+            </a:endParaRPr>
+          </a:p>
+        </p:txBody>
+      </p:sp>
       <p:cxnSp>
         <p:nvCxnSpPr>
-          <p:cNvPr id="70" name="Straight Arrow Connector 69"/>
-          <p:cNvCxnSpPr>
-            <a:stCxn id="68" idx="0"/>
-            <a:endCxn id="66" idx="4"/>
-          </p:cNvCxnSpPr>
+          <p:cNvPr id="112" name="Straight Arrow Connector 111"/>
+          <p:cNvCxnSpPr/>
           <p:nvPr/>
         </p:nvCxnSpPr>
         <p:spPr>
-          <a:xfrm flipV="1">
-            <a:off x="6629400" y="5021759"/>
-            <a:ext cx="0" cy="1140619"/>
+          <a:xfrm>
+            <a:off x="3200400" y="1202228"/>
+            <a:ext cx="304800" cy="0"/>
           </a:xfrm>
           <a:prstGeom prst="straightConnector1">
             <a:avLst/>
           </a:prstGeom>
-          <a:ln w="25400">
+          <a:ln w="12700" cmpd="sng">
             <a:solidFill>
               <a:schemeClr val="tx1"/>
             </a:solidFill>
-            <a:headEnd type="none"/>
-            <a:tailEnd type="arrow"/>
+            <a:tailEnd type="triangle"/>
           </a:ln>
+          <a:effectLst/>
         </p:spPr>
         <p:style>
           <a:lnRef idx="1">
@@ -4089,743 +4286,70 @@
           </a:fontRef>
         </p:style>
       </p:cxnSp>
-      <p:sp>
-        <p:nvSpPr>
-          <p:cNvPr id="71" name="TextBox 70"/>
-          <p:cNvSpPr txBox="1"/>
+      <p:pic>
+        <p:nvPicPr>
+          <p:cNvPr id="1027" name="Picture 3"/>
+          <p:cNvPicPr>
+            <a:picLocks noChangeAspect="1" noChangeArrowheads="1"/>
+          </p:cNvPicPr>
           <p:nvPr/>
-        </p:nvSpPr>
-        <p:spPr>
-          <a:xfrm>
-            <a:off x="8288190" y="5166718"/>
-            <a:ext cx="474810" cy="769441"/>
+        </p:nvPicPr>
+        <p:blipFill>
+          <a:blip r:embed="rId2">
+            <a:extLst>
+              <a:ext uri="{28A0092B-C50C-407E-A947-70E740481C1C}">
+                <a14:useLocalDpi xmlns:a14="http://schemas.microsoft.com/office/drawing/2010/main" val="0"/>
+              </a:ext>
+            </a:extLst>
+          </a:blip>
+          <a:srcRect/>
+          <a:stretch>
+            <a:fillRect/>
+          </a:stretch>
+        </p:blipFill>
+        <p:spPr bwMode="auto">
+          <a:xfrm>
+            <a:off x="2475880" y="3352800"/>
+            <a:ext cx="5773737" cy="1828800"/>
           </a:xfrm>
           <a:prstGeom prst="rect">
             <a:avLst/>
           </a:prstGeom>
           <a:noFill/>
-        </p:spPr>
-        <p:txBody>
-          <a:bodyPr wrap="none" rtlCol="0">
-            <a:spAutoFit/>
-          </a:bodyPr>
-          <a:lstStyle/>
-          <a:p>
-            <a:r>
-              <a:rPr lang="en-US" sz="4400" i="1" dirty="0" smtClean="0"/>
-              <a:t>d</a:t>
-            </a:r>
-            <a:endParaRPr lang="en-US" sz="4400" i="1" dirty="0"/>
-          </a:p>
-        </p:txBody>
-      </p:sp>
-      <p:sp>
-        <p:nvSpPr>
-          <p:cNvPr id="72" name="TextBox 71"/>
-          <p:cNvSpPr txBox="1"/>
-          <p:nvPr/>
-        </p:nvSpPr>
-        <p:spPr>
-          <a:xfrm>
-            <a:off x="6096000" y="4488359"/>
-            <a:ext cx="474810" cy="769441"/>
-          </a:xfrm>
-          <a:prstGeom prst="rect">
-            <a:avLst/>
-          </a:prstGeom>
-          <a:noFill/>
-        </p:spPr>
-        <p:txBody>
-          <a:bodyPr wrap="none" rtlCol="0">
-            <a:spAutoFit/>
-          </a:bodyPr>
-          <a:lstStyle/>
-          <a:p>
-            <a:r>
-              <a:rPr lang="en-US" sz="4400" i="1" dirty="0" smtClean="0"/>
-              <a:t>u</a:t>
-            </a:r>
-            <a:endParaRPr lang="en-US" sz="4400" i="1" dirty="0"/>
-          </a:p>
-        </p:txBody>
-      </p:sp>
-      <p:sp>
-        <p:nvSpPr>
-          <p:cNvPr id="73" name="TextBox 72"/>
-          <p:cNvSpPr txBox="1"/>
-          <p:nvPr/>
-        </p:nvSpPr>
-        <p:spPr>
-          <a:xfrm>
-            <a:off x="6115050" y="5783759"/>
-            <a:ext cx="436338" cy="769441"/>
-          </a:xfrm>
-          <a:prstGeom prst="rect">
-            <a:avLst/>
-          </a:prstGeom>
-          <a:noFill/>
-        </p:spPr>
-        <p:txBody>
-          <a:bodyPr wrap="none" rtlCol="0">
-            <a:spAutoFit/>
-          </a:bodyPr>
-          <a:lstStyle/>
-          <a:p>
-            <a:r>
-              <a:rPr lang="en-US" sz="4400" i="1" dirty="0" smtClean="0"/>
-              <a:t>v</a:t>
-            </a:r>
-            <a:endParaRPr lang="en-US" sz="4400" i="1" dirty="0"/>
-          </a:p>
-        </p:txBody>
-      </p:sp>
-      <p:sp>
-        <p:nvSpPr>
-          <p:cNvPr id="74" name="TextBox 73"/>
-          <p:cNvSpPr txBox="1"/>
-          <p:nvPr/>
-        </p:nvSpPr>
-        <p:spPr>
-          <a:xfrm>
-            <a:off x="7572678" y="4488359"/>
-            <a:ext cx="428322" cy="769441"/>
-          </a:xfrm>
-          <a:prstGeom prst="rect">
-            <a:avLst/>
-          </a:prstGeom>
-          <a:noFill/>
-        </p:spPr>
-        <p:txBody>
-          <a:bodyPr wrap="none" rtlCol="0">
-            <a:spAutoFit/>
-          </a:bodyPr>
-          <a:lstStyle/>
-          <a:p>
-            <a:r>
-              <a:rPr lang="en-US" sz="4400" i="1" dirty="0" smtClean="0"/>
-              <a:t>x</a:t>
-            </a:r>
-            <a:endParaRPr lang="en-US" sz="4400" i="1" dirty="0"/>
-          </a:p>
-        </p:txBody>
-      </p:sp>
-      <p:sp>
-        <p:nvSpPr>
-          <p:cNvPr id="75" name="TextBox 74"/>
-          <p:cNvSpPr txBox="1"/>
-          <p:nvPr/>
-        </p:nvSpPr>
-        <p:spPr>
-          <a:xfrm>
-            <a:off x="7591424" y="5783759"/>
-            <a:ext cx="436338" cy="769441"/>
-          </a:xfrm>
-          <a:prstGeom prst="rect">
-            <a:avLst/>
-          </a:prstGeom>
-          <a:noFill/>
-        </p:spPr>
-        <p:txBody>
-          <a:bodyPr wrap="none" rtlCol="0">
-            <a:spAutoFit/>
-          </a:bodyPr>
-          <a:lstStyle/>
-          <a:p>
-            <a:r>
-              <a:rPr lang="en-US" sz="4400" i="1" dirty="0" smtClean="0"/>
-              <a:t>y</a:t>
-            </a:r>
-            <a:endParaRPr lang="en-US" sz="4400" i="1" dirty="0"/>
-          </a:p>
-        </p:txBody>
-      </p:sp>
-      <p:sp>
-        <p:nvSpPr>
-          <p:cNvPr id="95" name="Oval 94"/>
-          <p:cNvSpPr/>
-          <p:nvPr/>
-        </p:nvSpPr>
-        <p:spPr>
-          <a:xfrm>
-            <a:off x="5650858" y="1179909"/>
-            <a:ext cx="152400" cy="152400"/>
-          </a:xfrm>
-          <a:prstGeom prst="ellipse">
-            <a:avLst/>
-          </a:prstGeom>
-          <a:solidFill>
-            <a:schemeClr val="tx1"/>
-          </a:solidFill>
-          <a:ln w="6350">
-            <a:solidFill>
-              <a:schemeClr val="tx1"/>
-            </a:solidFill>
-          </a:ln>
-        </p:spPr>
-        <p:style>
-          <a:lnRef idx="2">
-            <a:schemeClr val="accent1">
-              <a:shade val="50000"/>
-            </a:schemeClr>
-          </a:lnRef>
-          <a:fillRef idx="1">
-            <a:schemeClr val="accent1"/>
-          </a:fillRef>
-          <a:effectRef idx="0">
-            <a:schemeClr val="accent1"/>
-          </a:effectRef>
-          <a:fontRef idx="minor">
-            <a:schemeClr val="lt1"/>
-          </a:fontRef>
-        </p:style>
-        <p:txBody>
-          <a:bodyPr rtlCol="0" anchor="ctr"/>
-          <a:lstStyle/>
-          <a:p>
-            <a:pPr algn="ctr"/>
-            <a:endParaRPr lang="en-US"/>
-          </a:p>
-        </p:txBody>
-      </p:sp>
-      <p:sp>
-        <p:nvSpPr>
-          <p:cNvPr id="97" name="Oval 96"/>
-          <p:cNvSpPr/>
-          <p:nvPr/>
-        </p:nvSpPr>
-        <p:spPr>
-          <a:xfrm>
-            <a:off x="4967439" y="533399"/>
-            <a:ext cx="152400" cy="152400"/>
-          </a:xfrm>
-          <a:prstGeom prst="ellipse">
-            <a:avLst/>
-          </a:prstGeom>
-          <a:solidFill>
-            <a:schemeClr val="tx1"/>
-          </a:solidFill>
-          <a:ln w="6350">
-            <a:solidFill>
-              <a:schemeClr val="tx1"/>
-            </a:solidFill>
-          </a:ln>
-        </p:spPr>
-        <p:style>
-          <a:lnRef idx="2">
-            <a:schemeClr val="accent1">
-              <a:shade val="50000"/>
-            </a:schemeClr>
-          </a:lnRef>
-          <a:fillRef idx="1">
-            <a:schemeClr val="accent1"/>
-          </a:fillRef>
-          <a:effectRef idx="0">
-            <a:schemeClr val="accent1"/>
-          </a:effectRef>
-          <a:fontRef idx="minor">
-            <a:schemeClr val="lt1"/>
-          </a:fontRef>
-        </p:style>
-        <p:txBody>
-          <a:bodyPr rtlCol="0" anchor="ctr"/>
-          <a:lstStyle/>
-          <a:p>
-            <a:pPr algn="ctr"/>
-            <a:endParaRPr lang="en-US"/>
-          </a:p>
-        </p:txBody>
-      </p:sp>
-      <p:cxnSp>
-        <p:nvCxnSpPr>
-          <p:cNvPr id="98" name="Straight Arrow Connector 97"/>
-          <p:cNvCxnSpPr>
-            <a:stCxn id="99" idx="7"/>
-            <a:endCxn id="95" idx="3"/>
-          </p:cNvCxnSpPr>
-          <p:nvPr/>
-        </p:nvCxnSpPr>
-        <p:spPr>
-          <a:xfrm flipV="1">
-            <a:off x="5095140" y="1309991"/>
-            <a:ext cx="578036" cy="538745"/>
-          </a:xfrm>
-          <a:prstGeom prst="straightConnector1">
-            <a:avLst/>
-          </a:prstGeom>
-          <a:ln w="25400">
-            <a:solidFill>
-              <a:schemeClr val="tx1"/>
-            </a:solidFill>
-            <a:headEnd type="none"/>
-            <a:tailEnd type="arrow"/>
-          </a:ln>
-        </p:spPr>
-        <p:style>
-          <a:lnRef idx="1">
-            <a:schemeClr val="accent1"/>
-          </a:lnRef>
-          <a:fillRef idx="0">
-            <a:schemeClr val="accent1"/>
-          </a:fillRef>
-          <a:effectRef idx="0">
-            <a:schemeClr val="accent1"/>
-          </a:effectRef>
-          <a:fontRef idx="minor">
-            <a:schemeClr val="tx1"/>
-          </a:fontRef>
-        </p:style>
-      </p:cxnSp>
-      <p:sp>
-        <p:nvSpPr>
-          <p:cNvPr id="99" name="Oval 98"/>
-          <p:cNvSpPr/>
-          <p:nvPr/>
-        </p:nvSpPr>
-        <p:spPr>
-          <a:xfrm>
-            <a:off x="4965058" y="1826418"/>
-            <a:ext cx="152400" cy="152400"/>
-          </a:xfrm>
-          <a:prstGeom prst="ellipse">
-            <a:avLst/>
-          </a:prstGeom>
-          <a:solidFill>
-            <a:schemeClr val="tx1"/>
-          </a:solidFill>
-          <a:ln w="6350">
-            <a:solidFill>
-              <a:schemeClr val="tx1"/>
-            </a:solidFill>
-          </a:ln>
-        </p:spPr>
-        <p:style>
-          <a:lnRef idx="2">
-            <a:schemeClr val="accent1">
-              <a:shade val="50000"/>
-            </a:schemeClr>
-          </a:lnRef>
-          <a:fillRef idx="1">
-            <a:schemeClr val="accent1"/>
-          </a:fillRef>
-          <a:effectRef idx="0">
-            <a:schemeClr val="accent1"/>
-          </a:effectRef>
-          <a:fontRef idx="minor">
-            <a:schemeClr val="lt1"/>
-          </a:fontRef>
-        </p:style>
-        <p:txBody>
-          <a:bodyPr rtlCol="0" anchor="ctr"/>
-          <a:lstStyle/>
-          <a:p>
-            <a:pPr algn="ctr"/>
-            <a:endParaRPr lang="en-US"/>
-          </a:p>
-        </p:txBody>
-      </p:sp>
-      <p:cxnSp>
-        <p:nvCxnSpPr>
-          <p:cNvPr id="100" name="Straight Arrow Connector 99"/>
-          <p:cNvCxnSpPr>
-            <a:stCxn id="97" idx="4"/>
-            <a:endCxn id="99" idx="0"/>
-          </p:cNvCxnSpPr>
-          <p:nvPr/>
-        </p:nvCxnSpPr>
-        <p:spPr>
-          <a:xfrm flipH="1">
-            <a:off x="5041258" y="685799"/>
-            <a:ext cx="2381" cy="1140619"/>
-          </a:xfrm>
-          <a:prstGeom prst="straightConnector1">
-            <a:avLst/>
-          </a:prstGeom>
-          <a:ln w="25400">
-            <a:solidFill>
-              <a:schemeClr val="tx1"/>
-            </a:solidFill>
-            <a:headEnd type="none"/>
-            <a:tailEnd type="arrow"/>
-          </a:ln>
-        </p:spPr>
-        <p:style>
-          <a:lnRef idx="1">
-            <a:schemeClr val="accent1"/>
-          </a:lnRef>
-          <a:fillRef idx="0">
-            <a:schemeClr val="accent1"/>
-          </a:fillRef>
-          <a:effectRef idx="0">
-            <a:schemeClr val="accent1"/>
-          </a:effectRef>
-          <a:fontRef idx="minor">
-            <a:schemeClr val="tx1"/>
-          </a:fontRef>
-        </p:style>
-      </p:cxnSp>
-      <p:sp>
-        <p:nvSpPr>
-          <p:cNvPr id="101" name="Oval 100"/>
-          <p:cNvSpPr/>
-          <p:nvPr/>
-        </p:nvSpPr>
-        <p:spPr>
-          <a:xfrm>
-            <a:off x="4126858" y="533399"/>
-            <a:ext cx="152400" cy="152400"/>
-          </a:xfrm>
-          <a:prstGeom prst="ellipse">
-            <a:avLst/>
-          </a:prstGeom>
-          <a:solidFill>
-            <a:schemeClr val="tx1"/>
-          </a:solidFill>
-          <a:ln w="6350">
-            <a:solidFill>
-              <a:schemeClr val="tx1"/>
-            </a:solidFill>
-          </a:ln>
-        </p:spPr>
-        <p:style>
-          <a:lnRef idx="2">
-            <a:schemeClr val="accent1">
-              <a:shade val="50000"/>
-            </a:schemeClr>
-          </a:lnRef>
-          <a:fillRef idx="1">
-            <a:schemeClr val="accent1"/>
-          </a:fillRef>
-          <a:effectRef idx="0">
-            <a:schemeClr val="accent1"/>
-          </a:effectRef>
-          <a:fontRef idx="minor">
-            <a:schemeClr val="lt1"/>
-          </a:fontRef>
-        </p:style>
-        <p:txBody>
-          <a:bodyPr rtlCol="0" anchor="ctr"/>
-          <a:lstStyle/>
-          <a:p>
-            <a:pPr algn="ctr"/>
-            <a:endParaRPr lang="en-US"/>
-          </a:p>
-        </p:txBody>
-      </p:sp>
-      <p:cxnSp>
-        <p:nvCxnSpPr>
-          <p:cNvPr id="102" name="Straight Arrow Connector 101"/>
-          <p:cNvCxnSpPr>
-            <a:stCxn id="101" idx="6"/>
-            <a:endCxn id="97" idx="2"/>
-          </p:cNvCxnSpPr>
-          <p:nvPr/>
-        </p:nvCxnSpPr>
-        <p:spPr>
-          <a:xfrm>
-            <a:off x="4279258" y="609599"/>
-            <a:ext cx="688181" cy="0"/>
-          </a:xfrm>
-          <a:prstGeom prst="straightConnector1">
-            <a:avLst/>
-          </a:prstGeom>
-          <a:ln w="25400">
-            <a:solidFill>
-              <a:schemeClr val="tx1"/>
-            </a:solidFill>
-            <a:headEnd type="none"/>
-            <a:tailEnd type="arrow"/>
-          </a:ln>
-        </p:spPr>
-        <p:style>
-          <a:lnRef idx="1">
-            <a:schemeClr val="accent1"/>
-          </a:lnRef>
-          <a:fillRef idx="0">
-            <a:schemeClr val="accent1"/>
-          </a:fillRef>
-          <a:effectRef idx="0">
-            <a:schemeClr val="accent1"/>
-          </a:effectRef>
-          <a:fontRef idx="minor">
-            <a:schemeClr val="tx1"/>
-          </a:fontRef>
-        </p:style>
-      </p:cxnSp>
-      <p:sp>
-        <p:nvSpPr>
-          <p:cNvPr id="103" name="Oval 102"/>
-          <p:cNvSpPr/>
-          <p:nvPr/>
-        </p:nvSpPr>
-        <p:spPr>
-          <a:xfrm>
-            <a:off x="4126858" y="1826418"/>
-            <a:ext cx="152400" cy="152400"/>
-          </a:xfrm>
-          <a:prstGeom prst="ellipse">
-            <a:avLst/>
-          </a:prstGeom>
-          <a:solidFill>
-            <a:schemeClr val="tx1"/>
-          </a:solidFill>
-          <a:ln w="6350">
-            <a:solidFill>
-              <a:schemeClr val="tx1"/>
-            </a:solidFill>
-          </a:ln>
-        </p:spPr>
-        <p:style>
-          <a:lnRef idx="2">
-            <a:schemeClr val="accent1">
-              <a:shade val="50000"/>
-            </a:schemeClr>
-          </a:lnRef>
-          <a:fillRef idx="1">
-            <a:schemeClr val="accent1"/>
-          </a:fillRef>
-          <a:effectRef idx="0">
-            <a:schemeClr val="accent1"/>
-          </a:effectRef>
-          <a:fontRef idx="minor">
-            <a:schemeClr val="lt1"/>
-          </a:fontRef>
-        </p:style>
-        <p:txBody>
-          <a:bodyPr rtlCol="0" anchor="ctr"/>
-          <a:lstStyle/>
-          <a:p>
-            <a:pPr algn="ctr"/>
-            <a:endParaRPr lang="en-US"/>
-          </a:p>
-        </p:txBody>
-      </p:sp>
-      <p:cxnSp>
-        <p:nvCxnSpPr>
-          <p:cNvPr id="104" name="Straight Arrow Connector 103"/>
-          <p:cNvCxnSpPr>
-            <a:stCxn id="103" idx="7"/>
-            <a:endCxn id="97" idx="3"/>
-          </p:cNvCxnSpPr>
-          <p:nvPr/>
-        </p:nvCxnSpPr>
-        <p:spPr>
-          <a:xfrm flipV="1">
-            <a:off x="4256940" y="663481"/>
-            <a:ext cx="732817" cy="1185255"/>
-          </a:xfrm>
-          <a:prstGeom prst="straightConnector1">
-            <a:avLst/>
-          </a:prstGeom>
-          <a:ln w="25400">
-            <a:solidFill>
-              <a:schemeClr val="tx1"/>
-            </a:solidFill>
-            <a:headEnd type="none"/>
-            <a:tailEnd type="arrow"/>
-          </a:ln>
-        </p:spPr>
-        <p:style>
-          <a:lnRef idx="1">
-            <a:schemeClr val="accent1"/>
-          </a:lnRef>
-          <a:fillRef idx="0">
-            <a:schemeClr val="accent1"/>
-          </a:fillRef>
-          <a:effectRef idx="0">
-            <a:schemeClr val="accent1"/>
-          </a:effectRef>
-          <a:fontRef idx="minor">
-            <a:schemeClr val="tx1"/>
-          </a:fontRef>
-        </p:style>
-      </p:cxnSp>
-      <p:sp>
-        <p:nvSpPr>
-          <p:cNvPr id="106" name="TextBox 105"/>
-          <p:cNvSpPr txBox="1"/>
-          <p:nvPr/>
-        </p:nvSpPr>
-        <p:spPr>
-          <a:xfrm>
-            <a:off x="5861848" y="830758"/>
-            <a:ext cx="474810" cy="769441"/>
-          </a:xfrm>
-          <a:prstGeom prst="rect">
-            <a:avLst/>
-          </a:prstGeom>
-          <a:noFill/>
-        </p:spPr>
-        <p:txBody>
-          <a:bodyPr wrap="none" rtlCol="0">
-            <a:spAutoFit/>
-          </a:bodyPr>
-          <a:lstStyle/>
-          <a:p>
-            <a:r>
-              <a:rPr lang="en-US" sz="4400" i="1" dirty="0" smtClean="0"/>
-              <a:t>d</a:t>
-            </a:r>
-            <a:endParaRPr lang="en-US" sz="4400" i="1" dirty="0"/>
-          </a:p>
-        </p:txBody>
-      </p:sp>
-      <p:sp>
-        <p:nvSpPr>
-          <p:cNvPr id="107" name="TextBox 106"/>
-          <p:cNvSpPr txBox="1"/>
-          <p:nvPr/>
-        </p:nvSpPr>
-        <p:spPr>
-          <a:xfrm>
-            <a:off x="3669658" y="152399"/>
-            <a:ext cx="474810" cy="769441"/>
-          </a:xfrm>
-          <a:prstGeom prst="rect">
-            <a:avLst/>
-          </a:prstGeom>
-          <a:noFill/>
-        </p:spPr>
-        <p:txBody>
-          <a:bodyPr wrap="none" rtlCol="0">
-            <a:spAutoFit/>
-          </a:bodyPr>
-          <a:lstStyle/>
-          <a:p>
-            <a:r>
-              <a:rPr lang="en-US" sz="4400" i="1" dirty="0" smtClean="0"/>
-              <a:t>u</a:t>
-            </a:r>
-            <a:endParaRPr lang="en-US" sz="4400" i="1" dirty="0"/>
-          </a:p>
-        </p:txBody>
-      </p:sp>
-      <p:sp>
-        <p:nvSpPr>
-          <p:cNvPr id="108" name="TextBox 107"/>
-          <p:cNvSpPr txBox="1"/>
-          <p:nvPr/>
-        </p:nvSpPr>
-        <p:spPr>
-          <a:xfrm>
-            <a:off x="3688708" y="1447799"/>
-            <a:ext cx="436338" cy="769441"/>
-          </a:xfrm>
-          <a:prstGeom prst="rect">
-            <a:avLst/>
-          </a:prstGeom>
-          <a:noFill/>
-        </p:spPr>
-        <p:txBody>
-          <a:bodyPr wrap="none" rtlCol="0">
-            <a:spAutoFit/>
-          </a:bodyPr>
-          <a:lstStyle/>
-          <a:p>
-            <a:r>
-              <a:rPr lang="en-US" sz="4400" i="1" dirty="0" smtClean="0"/>
-              <a:t>v</a:t>
-            </a:r>
-            <a:endParaRPr lang="en-US" sz="4400" i="1" dirty="0"/>
-          </a:p>
-        </p:txBody>
-      </p:sp>
-      <p:sp>
-        <p:nvSpPr>
-          <p:cNvPr id="109" name="TextBox 108"/>
-          <p:cNvSpPr txBox="1"/>
-          <p:nvPr/>
-        </p:nvSpPr>
-        <p:spPr>
-          <a:xfrm>
-            <a:off x="5146336" y="152399"/>
-            <a:ext cx="428322" cy="769441"/>
-          </a:xfrm>
-          <a:prstGeom prst="rect">
-            <a:avLst/>
-          </a:prstGeom>
-          <a:noFill/>
-        </p:spPr>
-        <p:txBody>
-          <a:bodyPr wrap="none" rtlCol="0">
-            <a:spAutoFit/>
-          </a:bodyPr>
-          <a:lstStyle/>
-          <a:p>
-            <a:r>
-              <a:rPr lang="en-US" sz="4400" i="1" dirty="0" smtClean="0"/>
-              <a:t>x</a:t>
-            </a:r>
-            <a:endParaRPr lang="en-US" sz="4400" i="1" dirty="0"/>
-          </a:p>
-        </p:txBody>
-      </p:sp>
-      <p:sp>
-        <p:nvSpPr>
-          <p:cNvPr id="110" name="TextBox 109"/>
-          <p:cNvSpPr txBox="1"/>
-          <p:nvPr/>
-        </p:nvSpPr>
-        <p:spPr>
-          <a:xfrm>
-            <a:off x="5165082" y="1447799"/>
-            <a:ext cx="436338" cy="769441"/>
-          </a:xfrm>
-          <a:prstGeom prst="rect">
-            <a:avLst/>
-          </a:prstGeom>
-          <a:noFill/>
-        </p:spPr>
-        <p:txBody>
-          <a:bodyPr wrap="none" rtlCol="0">
-            <a:spAutoFit/>
-          </a:bodyPr>
-          <a:lstStyle/>
-          <a:p>
-            <a:r>
-              <a:rPr lang="en-US" sz="4400" i="1" dirty="0" smtClean="0"/>
-              <a:t>y</a:t>
-            </a:r>
-            <a:endParaRPr lang="en-US" sz="4400" i="1" dirty="0"/>
-          </a:p>
-        </p:txBody>
-      </p:sp>
-      <p:cxnSp>
-        <p:nvCxnSpPr>
-          <p:cNvPr id="112" name="Straight Arrow Connector 111"/>
-          <p:cNvCxnSpPr/>
-          <p:nvPr/>
-        </p:nvCxnSpPr>
-        <p:spPr>
-          <a:xfrm>
-            <a:off x="3200400" y="1202228"/>
-            <a:ext cx="304800" cy="0"/>
-          </a:xfrm>
-          <a:prstGeom prst="straightConnector1">
-            <a:avLst/>
-          </a:prstGeom>
-          <a:ln w="12700" cmpd="sng">
-            <a:solidFill>
-              <a:schemeClr val="tx1"/>
-            </a:solidFill>
-            <a:tailEnd type="triangle"/>
+          <a:ln>
+            <a:noFill/>
           </a:ln>
           <a:effectLst/>
-        </p:spPr>
-        <p:style>
-          <a:lnRef idx="1">
-            <a:schemeClr val="accent1"/>
-          </a:lnRef>
-          <a:fillRef idx="0">
-            <a:schemeClr val="accent1"/>
-          </a:fillRef>
-          <a:effectRef idx="0">
-            <a:schemeClr val="accent1"/>
-          </a:effectRef>
-          <a:fontRef idx="minor">
-            <a:schemeClr val="tx1"/>
-          </a:fontRef>
-        </p:style>
-      </p:cxnSp>
+          <a:extLst>
+            <a:ext uri="{909E8E84-426E-40DD-AFC4-6F175D3DCCD1}">
+              <a14:hiddenFill xmlns:a14="http://schemas.microsoft.com/office/drawing/2010/main">
+                <a:solidFill>
+                  <a:schemeClr val="accent1"/>
+                </a:solidFill>
+              </a14:hiddenFill>
+            </a:ext>
+            <a:ext uri="{91240B29-F687-4F45-9708-019B960494DF}">
+              <a14:hiddenLine xmlns:a14="http://schemas.microsoft.com/office/drawing/2010/main" w="9525">
+                <a:solidFill>
+                  <a:schemeClr val="tx1"/>
+                </a:solidFill>
+                <a:miter lim="800000"/>
+                <a:headEnd/>
+                <a:tailEnd/>
+              </a14:hiddenLine>
+            </a:ext>
+            <a:ext uri="{AF507438-7753-43E0-B8FC-AC1667EBCBE1}">
+              <a14:hiddenEffects xmlns:a14="http://schemas.microsoft.com/office/drawing/2010/main">
+                <a:effectLst>
+                  <a:outerShdw dist="35921" dir="2700000" algn="ctr" rotWithShape="0">
+                    <a:schemeClr val="bg2"/>
+                  </a:outerShdw>
+                </a:effectLst>
+              </a14:hiddenEffects>
+            </a:ext>
+          </a:extLst>
+        </p:spPr>
+      </p:pic>
     </p:spTree>
     <p:extLst>
       <p:ext uri="{BB962C8B-B14F-4D97-AF65-F5344CB8AC3E}">
